--- a/Online Job Portal.pptx
+++ b/Online Job Portal.pptx
@@ -22738,6 +22738,28 @@
           </a:prstGeom>
         </p:spPr>
       </p:pic>
+      <p:sp>
+        <p:nvSpPr>
+          <p:cNvPr id="4" name="Footer Placeholder 3"/>
+          <p:cNvSpPr>
+            <a:spLocks noGrp="1"/>
+          </p:cNvSpPr>
+          <p:nvPr>
+            <p:ph type="ftr" sz="quarter" idx="11"/>
+          </p:nvPr>
+        </p:nvSpPr>
+        <p:spPr/>
+        <p:txBody>
+          <a:bodyPr/>
+          <a:p>
+            <a:r>
+              <a:rPr lang="en-IN" altLang="en-US" dirty="0"/>
+              <a:t>Online Job Portal</a:t>
+            </a:r>
+            <a:endParaRPr lang="en-IN" altLang="en-US" dirty="0"/>
+          </a:p>
+        </p:txBody>
+      </p:sp>
     </p:spTree>
   </p:cSld>
   <p:clrMapOvr>
@@ -22815,7 +22837,12 @@
             <p:ph type="dt" sz="half" idx="10"/>
           </p:nvPr>
         </p:nvSpPr>
-        <p:spPr/>
+        <p:spPr>
+          <a:xfrm>
+            <a:off x="609600" y="6245225"/>
+            <a:ext cx="1335405" cy="476250"/>
+          </a:xfrm>
+        </p:spPr>
         <p:txBody>
           <a:bodyPr/>
           <a:lstStyle/>
@@ -22885,7 +22912,7 @@
         </p:nvGraphicFramePr>
         <p:xfrm>
           <a:off x="838200" y="1203645"/>
-          <a:ext cx="10515600" cy="4678312"/>
+          <a:ext cx="10515600" cy="4472305"/>
         </p:xfrm>
         <a:graphic>
           <a:graphicData uri="http://schemas.openxmlformats.org/drawingml/2006/table">
@@ -23294,176 +23321,7 @@
                   <a:tcPr/>
                 </a:tc>
               </a:tr>
-              <a:tr h="519392">
-                <a:tc>
-                  <a:txBody>
-                    <a:bodyPr/>
-                    <a:lstStyle/>
-                    <a:p>
-                      <a:pPr marL="0" marR="0" algn="ctr">
-                        <a:spcBef>
-                          <a:spcPts val="535"/>
-                        </a:spcBef>
-                        <a:spcAft>
-                          <a:spcPts val="0"/>
-                        </a:spcAft>
-                      </a:pPr>
-                      <a:r>
-                        <a:rPr lang="en-IN" sz="1200" b="1">
-                          <a:solidFill>
-                            <a:schemeClr val="tx1"/>
-                          </a:solidFill>
-                          <a:effectLst/>
-                          <a:latin typeface="Times New Roman" panose="02020603050405020304" pitchFamily="18" charset="0"/>
-                          <a:ea typeface="Calibri" panose="020F0502020204030204" pitchFamily="34" charset="0"/>
-                        </a:rPr>
-                        <a:t> </a:t>
-                      </a:r>
-                      <a:endParaRPr lang="en-IN" sz="1100">
-                        <a:solidFill>
-                          <a:schemeClr val="tx1"/>
-                        </a:solidFill>
-                        <a:effectLst/>
-                        <a:latin typeface="Calibri" panose="020F0502020204030204" pitchFamily="34" charset="0"/>
-                      </a:endParaRPr>
-                    </a:p>
-                    <a:p>
-                      <a:pPr marL="0" marR="52705" algn="ctr">
-                        <a:spcBef>
-                          <a:spcPts val="0"/>
-                        </a:spcBef>
-                        <a:spcAft>
-                          <a:spcPts val="0"/>
-                        </a:spcAft>
-                      </a:pPr>
-                      <a:r>
-                        <a:rPr lang="en-IN" sz="1200">
-                          <a:solidFill>
-                            <a:schemeClr val="tx1"/>
-                          </a:solidFill>
-                          <a:effectLst/>
-                          <a:latin typeface="Times New Roman" panose="02020603050405020304" pitchFamily="18" charset="0"/>
-                          <a:ea typeface="Cambria" panose="02040503050406030204" pitchFamily="18" charset="0"/>
-                        </a:rPr>
-                        <a:t>FR2</a:t>
-                      </a:r>
-                      <a:endParaRPr lang="en-IN" sz="1200">
-                        <a:solidFill>
-                          <a:schemeClr val="tx1"/>
-                        </a:solidFill>
-                        <a:effectLst/>
-                        <a:latin typeface="Times New Roman" panose="02020603050405020304" pitchFamily="18" charset="0"/>
-                        <a:ea typeface="Cambria" panose="02040503050406030204" pitchFamily="18" charset="0"/>
-                      </a:endParaRPr>
-                    </a:p>
-                  </a:txBody>
-                  <a:tcPr/>
-                </a:tc>
-                <a:tc>
-                  <a:txBody>
-                    <a:bodyPr/>
-                    <a:lstStyle/>
-                    <a:p>
-                      <a:pPr marL="0" marR="48260" algn="ctr">
-                        <a:lnSpc>
-                          <a:spcPct val="112000"/>
-                        </a:lnSpc>
-                        <a:spcBef>
-                          <a:spcPts val="1185"/>
-                        </a:spcBef>
-                        <a:spcAft>
-                          <a:spcPts val="0"/>
-                        </a:spcAft>
-                      </a:pPr>
-                      <a:r>
-                        <a:rPr lang="en-IN" sz="1200">
-                          <a:solidFill>
-                            <a:schemeClr val="tx1"/>
-                          </a:solidFill>
-                          <a:effectLst/>
-                          <a:latin typeface="Times New Roman" panose="02020603050405020304" pitchFamily="18" charset="0"/>
-                          <a:ea typeface="Cambria" panose="02040503050406030204" pitchFamily="18" charset="0"/>
-                        </a:rPr>
-                        <a:t>Enable a registered user to manage their own profile which includes address, contact no, password etc.</a:t>
-                      </a:r>
-                      <a:endParaRPr lang="en-IN" sz="1200">
-                        <a:solidFill>
-                          <a:schemeClr val="tx1"/>
-                        </a:solidFill>
-                        <a:effectLst/>
-                        <a:latin typeface="Times New Roman" panose="02020603050405020304" pitchFamily="18" charset="0"/>
-                        <a:ea typeface="Cambria" panose="02040503050406030204" pitchFamily="18" charset="0"/>
-                      </a:endParaRPr>
-                    </a:p>
-                  </a:txBody>
-                  <a:tcPr/>
-                </a:tc>
-                <a:tc>
-                  <a:txBody>
-                    <a:bodyPr/>
-                    <a:lstStyle/>
-                    <a:p>
-                      <a:pPr marL="0" marR="0" algn="ctr">
-                        <a:spcBef>
-                          <a:spcPts val="535"/>
-                        </a:spcBef>
-                        <a:spcAft>
-                          <a:spcPts val="0"/>
-                        </a:spcAft>
-                      </a:pPr>
-                      <a:r>
-                        <a:rPr lang="en-IN" sz="1200" b="1">
-                          <a:solidFill>
-                            <a:schemeClr val="tx1"/>
-                          </a:solidFill>
-                          <a:effectLst/>
-                          <a:latin typeface="Times New Roman" panose="02020603050405020304" pitchFamily="18" charset="0"/>
-                          <a:ea typeface="Calibri" panose="020F0502020204030204" pitchFamily="34" charset="0"/>
-                        </a:rPr>
-                        <a:t> </a:t>
-                      </a:r>
-                      <a:endParaRPr lang="en-IN" sz="1100">
-                        <a:solidFill>
-                          <a:schemeClr val="tx1"/>
-                        </a:solidFill>
-                        <a:effectLst/>
-                        <a:latin typeface="Calibri" panose="020F0502020204030204" pitchFamily="34" charset="0"/>
-                      </a:endParaRPr>
-                    </a:p>
-                    <a:p>
-                      <a:pPr marL="0" marR="0" algn="ctr">
-                        <a:spcBef>
-                          <a:spcPts val="0"/>
-                        </a:spcBef>
-                        <a:spcAft>
-                          <a:spcPts val="0"/>
-                        </a:spcAft>
-                      </a:pPr>
-                      <a:r>
-                        <a:rPr lang="en-IN" sz="1200">
-                          <a:solidFill>
-                            <a:schemeClr val="tx1"/>
-                          </a:solidFill>
-                          <a:effectLst/>
-                          <a:latin typeface="Times New Roman" panose="02020603050405020304" pitchFamily="18" charset="0"/>
-                          <a:ea typeface="Cambria" panose="02040503050406030204" pitchFamily="18" charset="0"/>
-                        </a:rPr>
-                        <a:t>Manage User Profile</a:t>
-                      </a:r>
-                      <a:endParaRPr lang="en-IN" sz="1200">
-                        <a:solidFill>
-                          <a:schemeClr val="tx1"/>
-                        </a:solidFill>
-                        <a:effectLst/>
-                        <a:latin typeface="Times New Roman" panose="02020603050405020304" pitchFamily="18" charset="0"/>
-                        <a:ea typeface="Cambria" panose="02040503050406030204" pitchFamily="18" charset="0"/>
-                      </a:endParaRPr>
-                    </a:p>
-                  </a:txBody>
-                  <a:tcPr/>
-                </a:tc>
-              </a:tr>
-              <a:tr h="283694">
+              <a:tr h="418465">
                 <a:tc>
                   <a:txBody>
                     <a:bodyPr/>
@@ -23486,7 +23344,7 @@
                           <a:latin typeface="Times New Roman" panose="02020603050405020304" pitchFamily="18" charset="0"/>
                           <a:ea typeface="Cambria" panose="02040503050406030204" pitchFamily="18" charset="0"/>
                         </a:rPr>
-                        <a:t>FR3</a:t>
+                        <a:t>FR2</a:t>
                       </a:r>
                       <a:endParaRPr lang="en-IN" sz="1200">
                         <a:solidFill>
@@ -23559,6 +23417,172 @@
                           <a:ea typeface="Cambria" panose="02040503050406030204" pitchFamily="18" charset="0"/>
                         </a:rPr>
                         <a:t>User Login </a:t>
+                      </a:r>
+                      <a:endParaRPr lang="en-IN" sz="1200">
+                        <a:solidFill>
+                          <a:schemeClr val="tx1"/>
+                        </a:solidFill>
+                        <a:effectLst/>
+                        <a:latin typeface="Times New Roman" panose="02020603050405020304" pitchFamily="18" charset="0"/>
+                        <a:ea typeface="Cambria" panose="02040503050406030204" pitchFamily="18" charset="0"/>
+                      </a:endParaRPr>
+                    </a:p>
+                  </a:txBody>
+                  <a:tcPr/>
+                </a:tc>
+              </a:tr>
+              <a:tr h="283694">
+                <a:tc>
+                  <a:txBody>
+                    <a:bodyPr/>
+                    <a:p>
+                      <a:pPr marL="0" marR="0" algn="ctr">
+                        <a:spcBef>
+                          <a:spcPts val="535"/>
+                        </a:spcBef>
+                        <a:spcAft>
+                          <a:spcPts val="0"/>
+                        </a:spcAft>
+                      </a:pPr>
+                      <a:r>
+                        <a:rPr lang="en-IN" sz="1200" b="1">
+                          <a:solidFill>
+                            <a:schemeClr val="tx1"/>
+                          </a:solidFill>
+                          <a:effectLst/>
+                          <a:latin typeface="Times New Roman" panose="02020603050405020304" pitchFamily="18" charset="0"/>
+                          <a:ea typeface="Calibri" panose="020F0502020204030204" pitchFamily="34" charset="0"/>
+                        </a:rPr>
+                        <a:t> </a:t>
+                      </a:r>
+                      <a:endParaRPr lang="en-IN" sz="1100">
+                        <a:solidFill>
+                          <a:schemeClr val="tx1"/>
+                        </a:solidFill>
+                        <a:effectLst/>
+                        <a:latin typeface="Calibri" panose="020F0502020204030204" pitchFamily="34" charset="0"/>
+                      </a:endParaRPr>
+                    </a:p>
+                    <a:p>
+                      <a:pPr marL="0" marR="52705" algn="ctr">
+                        <a:spcBef>
+                          <a:spcPts val="0"/>
+                        </a:spcBef>
+                        <a:spcAft>
+                          <a:spcPts val="0"/>
+                        </a:spcAft>
+                      </a:pPr>
+                      <a:r>
+                        <a:rPr lang="en-IN" sz="1200">
+                          <a:solidFill>
+                            <a:schemeClr val="tx1"/>
+                          </a:solidFill>
+                          <a:effectLst/>
+                          <a:latin typeface="Times New Roman" panose="02020603050405020304" pitchFamily="18" charset="0"/>
+                          <a:ea typeface="Cambria" panose="02040503050406030204" pitchFamily="18" charset="0"/>
+                        </a:rPr>
+                        <a:t>FR3</a:t>
+                      </a:r>
+                      <a:endParaRPr lang="en-IN" sz="1200">
+                        <a:solidFill>
+                          <a:schemeClr val="tx1"/>
+                        </a:solidFill>
+                        <a:effectLst/>
+                        <a:latin typeface="Times New Roman" panose="02020603050405020304" pitchFamily="18" charset="0"/>
+                        <a:ea typeface="Cambria" panose="02040503050406030204" pitchFamily="18" charset="0"/>
+                      </a:endParaRPr>
+                    </a:p>
+                  </a:txBody>
+                  <a:tcPr/>
+                </a:tc>
+                <a:tc>
+                  <a:txBody>
+                    <a:bodyPr/>
+                    <a:p>
+                      <a:pPr marL="0" marR="48260" algn="ctr">
+                        <a:lnSpc>
+                          <a:spcPct val="112000"/>
+                        </a:lnSpc>
+                        <a:spcBef>
+                          <a:spcPts val="1185"/>
+                        </a:spcBef>
+                        <a:spcAft>
+                          <a:spcPts val="0"/>
+                        </a:spcAft>
+                      </a:pPr>
+                      <a:r>
+                        <a:rPr lang="en-IN" sz="1200">
+                          <a:solidFill>
+                            <a:schemeClr val="tx1"/>
+                          </a:solidFill>
+                          <a:effectLst/>
+                          <a:latin typeface="Times New Roman" panose="02020603050405020304" pitchFamily="18" charset="0"/>
+                          <a:ea typeface="Cambria" panose="02040503050406030204" pitchFamily="18" charset="0"/>
+                        </a:rPr>
+                        <a:t>Enable a registered user to manage their own profile which includes address, contact no, password etc.</a:t>
+                      </a:r>
+                      <a:endParaRPr lang="en-IN" sz="1200">
+                        <a:solidFill>
+                          <a:schemeClr val="tx1"/>
+                        </a:solidFill>
+                        <a:effectLst/>
+                        <a:latin typeface="Times New Roman" panose="02020603050405020304" pitchFamily="18" charset="0"/>
+                        <a:ea typeface="Cambria" panose="02040503050406030204" pitchFamily="18" charset="0"/>
+                      </a:endParaRPr>
+                    </a:p>
+                  </a:txBody>
+                  <a:tcPr/>
+                </a:tc>
+                <a:tc>
+                  <a:txBody>
+                    <a:bodyPr/>
+                    <a:p>
+                      <a:pPr marL="0" marR="0" algn="ctr">
+                        <a:spcBef>
+                          <a:spcPts val="535"/>
+                        </a:spcBef>
+                        <a:spcAft>
+                          <a:spcPts val="0"/>
+                        </a:spcAft>
+                      </a:pPr>
+                      <a:r>
+                        <a:rPr lang="en-IN" sz="1200" b="1">
+                          <a:solidFill>
+                            <a:schemeClr val="tx1"/>
+                          </a:solidFill>
+                          <a:effectLst/>
+                          <a:latin typeface="Times New Roman" panose="02020603050405020304" pitchFamily="18" charset="0"/>
+                          <a:ea typeface="Calibri" panose="020F0502020204030204" pitchFamily="34" charset="0"/>
+                        </a:rPr>
+                        <a:t> </a:t>
+                      </a:r>
+                      <a:endParaRPr lang="en-IN" sz="1100">
+                        <a:solidFill>
+                          <a:schemeClr val="tx1"/>
+                        </a:solidFill>
+                        <a:effectLst/>
+                        <a:latin typeface="Calibri" panose="020F0502020204030204" pitchFamily="34" charset="0"/>
+                      </a:endParaRPr>
+                    </a:p>
+                    <a:p>
+                      <a:pPr marL="0" marR="0" algn="ctr">
+                        <a:spcBef>
+                          <a:spcPts val="0"/>
+                        </a:spcBef>
+                        <a:spcAft>
+                          <a:spcPts val="0"/>
+                        </a:spcAft>
+                      </a:pPr>
+                      <a:r>
+                        <a:rPr lang="en-IN" sz="1200">
+                          <a:solidFill>
+                            <a:schemeClr val="tx1"/>
+                          </a:solidFill>
+                          <a:effectLst/>
+                          <a:latin typeface="Times New Roman" panose="02020603050405020304" pitchFamily="18" charset="0"/>
+                          <a:ea typeface="Cambria" panose="02040503050406030204" pitchFamily="18" charset="0"/>
+                        </a:rPr>
+                        <a:t>Manage User Profile</a:t>
                       </a:r>
                       <a:endParaRPr lang="en-IN" sz="1200">
                         <a:solidFill>
@@ -23736,7 +23760,7 @@
                   <a:tcPr/>
                 </a:tc>
               </a:tr>
-              <a:tr h="843238">
+              <a:tr h="439420">
                 <a:tc>
                   <a:txBody>
                     <a:bodyPr/>
@@ -23745,23 +23769,6 @@
                       <a:pPr marL="0" marR="0" algn="ctr">
                         <a:spcBef>
                           <a:spcPts val="0"/>
-                        </a:spcBef>
-                        <a:spcAft>
-                          <a:spcPts val="0"/>
-                        </a:spcAft>
-                      </a:pPr>
-                      <a:endParaRPr lang="en-IN" sz="1100" dirty="0">
-                        <a:solidFill>
-                          <a:schemeClr val="tx1"/>
-                        </a:solidFill>
-                        <a:effectLst/>
-                        <a:latin typeface="Calibri" panose="020F0502020204030204" pitchFamily="34" charset="0"/>
-                      </a:endParaRPr>
-                    </a:p>
-                    <a:p>
-                      <a:pPr marL="0" marR="52705" algn="ctr">
-                        <a:spcBef>
-                          <a:spcPts val="5"/>
                         </a:spcBef>
                         <a:spcAft>
                           <a:spcPts val="0"/>
@@ -23776,7 +23783,7 @@
                           <a:latin typeface="Times New Roman" panose="02020603050405020304" pitchFamily="18" charset="0"/>
                           <a:ea typeface="Calibri" panose="020F0502020204030204" pitchFamily="34" charset="0"/>
                         </a:rPr>
-                        <a:t> FR5</a:t>
+                        <a:t>FR5</a:t>
                       </a:r>
                       <a:endParaRPr lang="en-IN" sz="1200" dirty="0">
                         <a:solidFill>
@@ -23812,7 +23819,7 @@
                           <a:latin typeface="Times New Roman" panose="02020603050405020304" pitchFamily="18" charset="0"/>
                           <a:ea typeface="Cambria" panose="02040503050406030204" pitchFamily="18" charset="0"/>
                         </a:rPr>
-                        <a:t>System shall allow Users to update information, change profile photo, delete profile, etc</a:t>
+                        <a:t>System shall allow admin to ceate a new admin account.</a:t>
                       </a:r>
                       <a:endParaRPr lang="en-IN" sz="1200" dirty="0">
                         <a:solidFill>
@@ -23853,26 +23860,6 @@
                         </a:rPr>
                         <a:t> </a:t>
                       </a:r>
-                      <a:endParaRPr lang="en-IN" sz="1100" dirty="0">
-                        <a:solidFill>
-                          <a:schemeClr val="tx1"/>
-                        </a:solidFill>
-                        <a:effectLst/>
-                        <a:latin typeface="Calibri" panose="020F0502020204030204" pitchFamily="34" charset="0"/>
-                      </a:endParaRPr>
-                    </a:p>
-                    <a:p>
-                      <a:pPr marL="0" marR="0" algn="ctr">
-                        <a:lnSpc>
-                          <a:spcPct val="112000"/>
-                        </a:lnSpc>
-                        <a:spcBef>
-                          <a:spcPts val="0"/>
-                        </a:spcBef>
-                        <a:spcAft>
-                          <a:spcPts val="0"/>
-                        </a:spcAft>
-                      </a:pPr>
                       <a:r>
                         <a:rPr lang="en-IN" sz="1200" dirty="0">
                           <a:solidFill>
@@ -23882,7 +23869,7 @@
                           <a:latin typeface="Times New Roman" panose="02020603050405020304" pitchFamily="18" charset="0"/>
                           <a:ea typeface="Calibri" panose="020F0502020204030204" pitchFamily="34" charset="0"/>
                         </a:rPr>
-                        <a:t>Manage Profile</a:t>
+                        <a:t>New Admin</a:t>
                       </a:r>
                       <a:endParaRPr lang="en-IN" sz="1200" dirty="0">
                         <a:solidFill>
@@ -24408,7 +24395,7 @@
                           <a:ea typeface="Cambria" panose="02040503050406030204" pitchFamily="18" charset="0"/>
                           <a:cs typeface="Calibri" panose="020F0502020204030204" pitchFamily="34" charset="0"/>
                         </a:rPr>
-                        <a:t>System will allow job providers to post jobs.</a:t>
+                        <a:t>System shall allow job providers to post jobs.</a:t>
                       </a:r>
                       <a:endParaRPr lang="en-IN" sz="1200">
                         <a:solidFill>
@@ -24905,7 +24892,7 @@
                           <a:ea typeface="Cambria" panose="02040503050406030204" pitchFamily="18" charset="0"/>
                           <a:cs typeface="Calibri" panose="020F0502020204030204" pitchFamily="34" charset="0"/>
                         </a:rPr>
-                        <a:t>System will allow the job provider to record the following details of the jobs such as... job role, job category, job criteria, job type, job time, salary, address, etc.</a:t>
+                        <a:t>System shall allow the job provider to record the following details of the jobs such as... job role, job category, job criteria, job type, job time, salary, address, etc.</a:t>
                       </a:r>
                       <a:endParaRPr lang="en-IN" sz="1200">
                         <a:solidFill>
@@ -25182,7 +25169,7 @@
         </p:nvSpPr>
         <p:spPr>
           <a:xfrm>
-            <a:off x="1198181" y="557191"/>
+            <a:off x="1198181" y="162856"/>
             <a:ext cx="9988166" cy="935059"/>
           </a:xfrm>
         </p:spPr>
@@ -25224,16 +25211,21 @@
             <p:ph type="ftr" sz="quarter" idx="11"/>
           </p:nvPr>
         </p:nvSpPr>
-        <p:spPr/>
+        <p:spPr>
+          <a:xfrm>
+            <a:off x="4165600" y="6495415"/>
+            <a:ext cx="3860800" cy="476250"/>
+          </a:xfrm>
+        </p:spPr>
         <p:txBody>
           <a:bodyPr/>
           <a:lstStyle/>
           <a:p>
             <a:r>
-              <a:rPr lang="en-US"/>
-              <a:t>PRESENTATION TITLE</a:t>
+              <a:rPr lang="en-IN" altLang="en-US" dirty="0"/>
+              <a:t>Online Job Portal</a:t>
             </a:r>
-            <a:endParaRPr lang="en-US" dirty="0"/>
+            <a:endParaRPr lang="en-IN" altLang="en-US" dirty="0"/>
           </a:p>
         </p:txBody>
       </p:sp>
@@ -25300,8 +25292,8 @@
         </p:blipFill>
         <p:spPr>
           <a:xfrm>
-            <a:off x="3647942" y="1492250"/>
-            <a:ext cx="5088643" cy="4657538"/>
+            <a:off x="3119120" y="1026160"/>
+            <a:ext cx="5953760" cy="5449570"/>
           </a:xfrm>
           <a:prstGeom prst="rect">
             <a:avLst/>
@@ -25501,7 +25493,7 @@
                 <a:ea typeface="Calibri" panose="020F0502020204030204" pitchFamily="34" charset="0"/>
                 <a:cs typeface="Calibri" panose="020F0502020204030204" pitchFamily="34" charset="0"/>
               </a:rPr>
-              <a:t>tbl_user</a:t>
+              <a:t> tbl_user</a:t>
             </a:r>
             <a:r>
               <a:rPr lang="en-IN" sz="1600" dirty="0">
@@ -25537,7 +25529,7 @@
                 <a:ea typeface="Calibri" panose="020F0502020204030204" pitchFamily="34" charset="0"/>
                 <a:cs typeface="Calibri" panose="020F0502020204030204" pitchFamily="34" charset="0"/>
               </a:rPr>
-              <a:t>[PK], </a:t>
+              <a:t>[PK], name, email, password, number, address, </a:t>
             </a:r>
             <a:r>
               <a:rPr lang="en-IN" sz="1600" dirty="0" err="1">
@@ -25549,7 +25541,7 @@
                 <a:ea typeface="Calibri" panose="020F0502020204030204" pitchFamily="34" charset="0"/>
                 <a:cs typeface="Calibri" panose="020F0502020204030204" pitchFamily="34" charset="0"/>
               </a:rPr>
-              <a:t>firstName</a:t>
+              <a:t>userType, profile_image</a:t>
             </a:r>
             <a:r>
               <a:rPr lang="en-IN" sz="1600" dirty="0">
@@ -25561,55 +25553,7 @@
                 <a:ea typeface="Calibri" panose="020F0502020204030204" pitchFamily="34" charset="0"/>
                 <a:cs typeface="Calibri" panose="020F0502020204030204" pitchFamily="34" charset="0"/>
               </a:rPr>
-              <a:t>, </a:t>
-            </a:r>
-            <a:r>
-              <a:rPr lang="en-IN" sz="1600" dirty="0" err="1">
-                <a:solidFill>
-                  <a:schemeClr val="tx1"/>
-                </a:solidFill>
-                <a:effectLst/>
-                <a:latin typeface="Calibri" panose="020F0502020204030204" pitchFamily="34" charset="0"/>
-                <a:ea typeface="Calibri" panose="020F0502020204030204" pitchFamily="34" charset="0"/>
-                <a:cs typeface="Calibri" panose="020F0502020204030204" pitchFamily="34" charset="0"/>
-              </a:rPr>
-              <a:t>lastName</a:t>
-            </a:r>
-            <a:r>
-              <a:rPr lang="en-IN" sz="1600" dirty="0">
-                <a:solidFill>
-                  <a:schemeClr val="tx1"/>
-                </a:solidFill>
-                <a:effectLst/>
-                <a:latin typeface="Calibri" panose="020F0502020204030204" pitchFamily="34" charset="0"/>
-                <a:ea typeface="Calibri" panose="020F0502020204030204" pitchFamily="34" charset="0"/>
-                <a:cs typeface="Calibri" panose="020F0502020204030204" pitchFamily="34" charset="0"/>
-              </a:rPr>
-              <a:t>, email, gender, password, number, address, </a:t>
-            </a:r>
-            <a:r>
-              <a:rPr lang="en-IN" sz="1600" dirty="0" err="1">
-                <a:solidFill>
-                  <a:schemeClr val="tx1"/>
-                </a:solidFill>
-                <a:effectLst/>
-                <a:latin typeface="Calibri" panose="020F0502020204030204" pitchFamily="34" charset="0"/>
-                <a:ea typeface="Calibri" panose="020F0502020204030204" pitchFamily="34" charset="0"/>
-                <a:cs typeface="Calibri" panose="020F0502020204030204" pitchFamily="34" charset="0"/>
-              </a:rPr>
-              <a:t>userType</a:t>
-            </a:r>
-            <a:r>
-              <a:rPr lang="en-IN" sz="1600" dirty="0">
-                <a:solidFill>
-                  <a:schemeClr val="tx1"/>
-                </a:solidFill>
-                <a:effectLst/>
-                <a:latin typeface="Calibri" panose="020F0502020204030204" pitchFamily="34" charset="0"/>
-                <a:ea typeface="Calibri" panose="020F0502020204030204" pitchFamily="34" charset="0"/>
-                <a:cs typeface="Calibri" panose="020F0502020204030204" pitchFamily="34" charset="0"/>
-              </a:rPr>
-              <a:t> } </a:t>
+              <a:t>} </a:t>
             </a:r>
             <a:endParaRPr lang="en-IN" sz="1600" dirty="0">
               <a:solidFill>
@@ -25644,27 +25588,6 @@
               </a:rPr>
               <a:t> </a:t>
             </a:r>
-            <a:endParaRPr lang="en-IN" sz="1600" dirty="0">
-              <a:solidFill>
-                <a:schemeClr val="tx1"/>
-              </a:solidFill>
-              <a:effectLst/>
-              <a:latin typeface="Calibri" panose="020F0502020204030204" pitchFamily="34" charset="0"/>
-              <a:cs typeface="Calibri" panose="020F0502020204030204" pitchFamily="34" charset="0"/>
-            </a:endParaRPr>
-          </a:p>
-          <a:p>
-            <a:pPr marL="0" marR="790575" indent="0" algn="l">
-              <a:lnSpc>
-                <a:spcPct val="103000"/>
-              </a:lnSpc>
-              <a:spcBef>
-                <a:spcPts val="1260"/>
-              </a:spcBef>
-              <a:spcAft>
-                <a:spcPts val="0"/>
-              </a:spcAft>
-            </a:pPr>
             <a:r>
               <a:rPr lang="en-IN" sz="1600" dirty="0" err="1">
                 <a:solidFill>
@@ -25909,85 +25832,7 @@
                 <a:ea typeface="Calibri" panose="020F0502020204030204" pitchFamily="34" charset="0"/>
                 <a:cs typeface="Calibri" panose="020F0502020204030204" pitchFamily="34" charset="0"/>
               </a:rPr>
-              <a:t>-&gt; </a:t>
-            </a:r>
-            <a:r>
-              <a:rPr lang="en-IN" sz="1600" dirty="0" err="1">
-                <a:solidFill>
-                  <a:schemeClr val="tx1"/>
-                </a:solidFill>
-                <a:effectLst/>
-                <a:latin typeface="Calibri" panose="020F0502020204030204" pitchFamily="34" charset="0"/>
-                <a:ea typeface="Calibri" panose="020F0502020204030204" pitchFamily="34" charset="0"/>
-                <a:cs typeface="Calibri" panose="020F0502020204030204" pitchFamily="34" charset="0"/>
-              </a:rPr>
-              <a:t>firstName</a:t>
-            </a:r>
-            <a:r>
-              <a:rPr lang="en-IN" sz="1600" dirty="0">
-                <a:solidFill>
-                  <a:schemeClr val="tx1"/>
-                </a:solidFill>
-                <a:effectLst/>
-                <a:latin typeface="Calibri" panose="020F0502020204030204" pitchFamily="34" charset="0"/>
-                <a:ea typeface="Calibri" panose="020F0502020204030204" pitchFamily="34" charset="0"/>
-                <a:cs typeface="Calibri" panose="020F0502020204030204" pitchFamily="34" charset="0"/>
-              </a:rPr>
-              <a:t>, </a:t>
-            </a:r>
-            <a:r>
-              <a:rPr lang="en-IN" sz="1600" dirty="0" err="1">
-                <a:solidFill>
-                  <a:schemeClr val="tx1"/>
-                </a:solidFill>
-                <a:effectLst/>
-                <a:latin typeface="Calibri" panose="020F0502020204030204" pitchFamily="34" charset="0"/>
-                <a:ea typeface="Calibri" panose="020F0502020204030204" pitchFamily="34" charset="0"/>
-                <a:cs typeface="Calibri" panose="020F0502020204030204" pitchFamily="34" charset="0"/>
-              </a:rPr>
-              <a:t>lastName</a:t>
-            </a:r>
-            <a:r>
-              <a:rPr lang="en-IN" sz="1600" dirty="0">
-                <a:solidFill>
-                  <a:schemeClr val="tx1"/>
-                </a:solidFill>
-                <a:effectLst/>
-                <a:latin typeface="Calibri" panose="020F0502020204030204" pitchFamily="34" charset="0"/>
-                <a:ea typeface="Calibri" panose="020F0502020204030204" pitchFamily="34" charset="0"/>
-                <a:cs typeface="Calibri" panose="020F0502020204030204" pitchFamily="34" charset="0"/>
-              </a:rPr>
-              <a:t>, email, password, number, address</a:t>
-            </a:r>
-            <a:endParaRPr lang="en-IN" sz="1600" dirty="0">
-              <a:solidFill>
-                <a:schemeClr val="tx1"/>
-              </a:solidFill>
-              <a:effectLst/>
-              <a:latin typeface="Calibri" panose="020F0502020204030204" pitchFamily="34" charset="0"/>
-              <a:cs typeface="Calibri" panose="020F0502020204030204" pitchFamily="34" charset="0"/>
-            </a:endParaRPr>
-          </a:p>
-          <a:p>
-            <a:pPr marL="914400" marR="334010" indent="0" algn="l">
-              <a:spcBef>
-                <a:spcPts val="850"/>
-              </a:spcBef>
-              <a:spcAft>
-                <a:spcPts val="0"/>
-              </a:spcAft>
-            </a:pPr>
-            <a:r>
-              <a:rPr lang="en-IN" sz="1600" dirty="0">
-                <a:solidFill>
-                  <a:schemeClr val="tx1"/>
-                </a:solidFill>
-                <a:effectLst/>
-                <a:latin typeface="Calibri" panose="020F0502020204030204" pitchFamily="34" charset="0"/>
-                <a:ea typeface="Calibri" panose="020F0502020204030204" pitchFamily="34" charset="0"/>
-                <a:cs typeface="Calibri" panose="020F0502020204030204" pitchFamily="34" charset="0"/>
-              </a:rPr>
-              <a:t> </a:t>
+              <a:t>-&gt; name, email, password, number, address</a:t>
             </a:r>
             <a:endParaRPr lang="en-IN" sz="1600" dirty="0">
               <a:solidFill>
@@ -26077,7 +25922,7 @@
                 <a:ea typeface="Calibri" panose="020F0502020204030204" pitchFamily="34" charset="0"/>
                 <a:cs typeface="Calibri" panose="020F0502020204030204" pitchFamily="34" charset="0"/>
               </a:rPr>
-              <a:t>[FK], status, history }</a:t>
+              <a:t>[FK], status, history, experience, education, hobbies, achievements, certifications }</a:t>
             </a:r>
             <a:endParaRPr lang="en-IN" sz="1600" dirty="0">
               <a:solidFill>
@@ -26134,40 +25979,14 @@
               <a:t>-&gt; </a:t>
             </a:r>
             <a:r>
-              <a:rPr lang="en-IN" sz="1600" dirty="0" err="1">
-                <a:solidFill>
-                  <a:schemeClr val="tx1"/>
-                </a:solidFill>
+              <a:rPr lang="en-IN" sz="1600" dirty="0">
                 <a:effectLst/>
                 <a:latin typeface="Calibri" panose="020F0502020204030204" pitchFamily="34" charset="0"/>
                 <a:ea typeface="Calibri" panose="020F0502020204030204" pitchFamily="34" charset="0"/>
                 <a:cs typeface="Calibri" panose="020F0502020204030204" pitchFamily="34" charset="0"/>
+                <a:sym typeface="+mn-ea"/>
               </a:rPr>
-              <a:t>firstName</a:t>
-            </a:r>
-            <a:r>
-              <a:rPr lang="en-IN" sz="1600" dirty="0">
-                <a:solidFill>
-                  <a:schemeClr val="tx1"/>
-                </a:solidFill>
-                <a:effectLst/>
-                <a:latin typeface="Calibri" panose="020F0502020204030204" pitchFamily="34" charset="0"/>
-                <a:ea typeface="Calibri" panose="020F0502020204030204" pitchFamily="34" charset="0"/>
-                <a:cs typeface="Calibri" panose="020F0502020204030204" pitchFamily="34" charset="0"/>
-              </a:rPr>
-              <a:t>, </a:t>
-            </a:r>
-            <a:r>
-              <a:rPr lang="en-IN" sz="1600" dirty="0" err="1">
-                <a:solidFill>
-                  <a:schemeClr val="tx1"/>
-                </a:solidFill>
-                <a:effectLst/>
-                <a:latin typeface="Calibri" panose="020F0502020204030204" pitchFamily="34" charset="0"/>
-                <a:ea typeface="Calibri" panose="020F0502020204030204" pitchFamily="34" charset="0"/>
-                <a:cs typeface="Calibri" panose="020F0502020204030204" pitchFamily="34" charset="0"/>
-              </a:rPr>
-              <a:t>lastName</a:t>
+              <a:t>name</a:t>
             </a:r>
             <a:r>
               <a:rPr lang="en-IN" sz="1600" dirty="0">
@@ -26211,13 +26030,14 @@
               </a:solidFill>
               <a:effectLst/>
               <a:latin typeface="Calibri" panose="020F0502020204030204" pitchFamily="34" charset="0"/>
+              <a:ea typeface="Calibri" panose="020F0502020204030204" pitchFamily="34" charset="0"/>
               <a:cs typeface="Calibri" panose="020F0502020204030204" pitchFamily="34" charset="0"/>
             </a:endParaRPr>
           </a:p>
           <a:p>
-            <a:pPr marL="457200" marR="0" indent="457200" algn="l">
+            <a:pPr marL="914400" marR="334010" indent="0">
               <a:spcBef>
-                <a:spcPts val="0"/>
+                <a:spcPts val="850"/>
               </a:spcBef>
               <a:spcAft>
                 <a:spcPts val="0"/>
@@ -26301,27 +26121,6 @@
               </a:rPr>
               <a:t> </a:t>
             </a:r>
-            <a:endParaRPr lang="en-IN" sz="1600" dirty="0">
-              <a:solidFill>
-                <a:schemeClr val="tx1"/>
-              </a:solidFill>
-              <a:effectLst/>
-              <a:latin typeface="Calibri" panose="020F0502020204030204" pitchFamily="34" charset="0"/>
-              <a:cs typeface="Calibri" panose="020F0502020204030204" pitchFamily="34" charset="0"/>
-            </a:endParaRPr>
-          </a:p>
-          <a:p>
-            <a:pPr marL="0" marR="1423670" indent="0" algn="l">
-              <a:lnSpc>
-                <a:spcPct val="105000"/>
-              </a:lnSpc>
-              <a:spcBef>
-                <a:spcPts val="0"/>
-              </a:spcBef>
-              <a:spcAft>
-                <a:spcPts val="0"/>
-              </a:spcAft>
-            </a:pPr>
             <a:r>
               <a:rPr lang="en-IN" sz="1600" dirty="0" err="1">
                 <a:solidFill>
@@ -26400,11 +26199,12 @@
               </a:solidFill>
               <a:effectLst/>
               <a:latin typeface="Calibri" panose="020F0502020204030204" pitchFamily="34" charset="0"/>
+              <a:ea typeface="Calibri" panose="020F0502020204030204" pitchFamily="34" charset="0"/>
               <a:cs typeface="Calibri" panose="020F0502020204030204" pitchFamily="34" charset="0"/>
             </a:endParaRPr>
           </a:p>
           <a:p>
-            <a:pPr marL="0" marR="334010" indent="457200">
+            <a:pPr marL="914400" marR="334010" lvl="2">
               <a:spcBef>
                 <a:spcPts val="850"/>
               </a:spcBef>
@@ -26449,16 +26249,14 @@
               <a:t>-&gt; </a:t>
             </a:r>
             <a:r>
-              <a:rPr lang="en-IN" sz="1600" dirty="0" err="1">
-                <a:solidFill>
-                  <a:schemeClr val="tx1"/>
-                </a:solidFill>
+              <a:rPr lang="en-IN" sz="1600" dirty="0">
                 <a:effectLst/>
                 <a:latin typeface="Calibri" panose="020F0502020204030204" pitchFamily="34" charset="0"/>
                 <a:ea typeface="Calibri" panose="020F0502020204030204" pitchFamily="34" charset="0"/>
                 <a:cs typeface="Calibri" panose="020F0502020204030204" pitchFamily="34" charset="0"/>
+                <a:sym typeface="+mn-ea"/>
               </a:rPr>
-              <a:t>firstName</a:t>
+              <a:t>name,</a:t>
             </a:r>
             <a:r>
               <a:rPr lang="en-IN" sz="1600" dirty="0">
@@ -26470,31 +26268,7 @@
                 <a:ea typeface="Calibri" panose="020F0502020204030204" pitchFamily="34" charset="0"/>
                 <a:cs typeface="Calibri" panose="020F0502020204030204" pitchFamily="34" charset="0"/>
               </a:rPr>
-              <a:t>, </a:t>
-            </a:r>
-            <a:r>
-              <a:rPr lang="en-IN" sz="1600" dirty="0" err="1">
-                <a:solidFill>
-                  <a:schemeClr val="tx1"/>
-                </a:solidFill>
-                <a:effectLst/>
-                <a:latin typeface="Calibri" panose="020F0502020204030204" pitchFamily="34" charset="0"/>
-                <a:ea typeface="Calibri" panose="020F0502020204030204" pitchFamily="34" charset="0"/>
-                <a:cs typeface="Calibri" panose="020F0502020204030204" pitchFamily="34" charset="0"/>
-              </a:rPr>
-              <a:t>lastName</a:t>
-            </a:r>
-            <a:r>
-              <a:rPr lang="en-IN" sz="1600" dirty="0">
-                <a:solidFill>
-                  <a:schemeClr val="tx1"/>
-                </a:solidFill>
-                <a:effectLst/>
-                <a:latin typeface="Calibri" panose="020F0502020204030204" pitchFamily="34" charset="0"/>
-                <a:ea typeface="Calibri" panose="020F0502020204030204" pitchFamily="34" charset="0"/>
-                <a:cs typeface="Calibri" panose="020F0502020204030204" pitchFamily="34" charset="0"/>
-              </a:rPr>
-              <a:t>, email, password, number, address</a:t>
+              <a:t> email, password, number, address</a:t>
             </a:r>
             <a:endParaRPr lang="en-IN" sz="1600" dirty="0">
               <a:solidFill>
@@ -26782,11 +26556,12 @@
               </a:solidFill>
               <a:effectLst/>
               <a:latin typeface="Calibri" panose="020F0502020204030204" pitchFamily="34" charset="0"/>
+              <a:ea typeface="Calibri" panose="020F0502020204030204" pitchFamily="34" charset="0"/>
               <a:cs typeface="Calibri" panose="020F0502020204030204" pitchFamily="34" charset="0"/>
             </a:endParaRPr>
           </a:p>
           <a:p>
-            <a:pPr marL="0" marR="334010" indent="457200">
+            <a:pPr marL="914400" marR="334010" lvl="2">
               <a:spcBef>
                 <a:spcPts val="850"/>
               </a:spcBef>
@@ -26804,7 +26579,7 @@
                 <a:ea typeface="Calibri" panose="020F0502020204030204" pitchFamily="34" charset="0"/>
                 <a:cs typeface="Calibri" panose="020F0502020204030204" pitchFamily="34" charset="0"/>
               </a:rPr>
-              <a:t>	FD: </a:t>
+              <a:t>FD: </a:t>
             </a:r>
             <a:r>
               <a:rPr lang="en-IN" sz="1600" dirty="0" err="1">
@@ -26831,40 +26606,14 @@
               <a:t>-&gt; </a:t>
             </a:r>
             <a:r>
-              <a:rPr lang="en-IN" sz="1600" dirty="0" err="1">
-                <a:solidFill>
-                  <a:schemeClr val="tx1"/>
-                </a:solidFill>
+              <a:rPr lang="en-IN" sz="1600" dirty="0">
                 <a:effectLst/>
                 <a:latin typeface="Calibri" panose="020F0502020204030204" pitchFamily="34" charset="0"/>
                 <a:ea typeface="Calibri" panose="020F0502020204030204" pitchFamily="34" charset="0"/>
                 <a:cs typeface="Calibri" panose="020F0502020204030204" pitchFamily="34" charset="0"/>
+                <a:sym typeface="+mn-ea"/>
               </a:rPr>
-              <a:t>firstName</a:t>
-            </a:r>
-            <a:r>
-              <a:rPr lang="en-IN" sz="1600" dirty="0">
-                <a:solidFill>
-                  <a:schemeClr val="tx1"/>
-                </a:solidFill>
-                <a:effectLst/>
-                <a:latin typeface="Calibri" panose="020F0502020204030204" pitchFamily="34" charset="0"/>
-                <a:ea typeface="Calibri" panose="020F0502020204030204" pitchFamily="34" charset="0"/>
-                <a:cs typeface="Calibri" panose="020F0502020204030204" pitchFamily="34" charset="0"/>
-              </a:rPr>
-              <a:t>, </a:t>
-            </a:r>
-            <a:r>
-              <a:rPr lang="en-IN" sz="1600" dirty="0" err="1">
-                <a:solidFill>
-                  <a:schemeClr val="tx1"/>
-                </a:solidFill>
-                <a:effectLst/>
-                <a:latin typeface="Calibri" panose="020F0502020204030204" pitchFamily="34" charset="0"/>
-                <a:ea typeface="Calibri" panose="020F0502020204030204" pitchFamily="34" charset="0"/>
-                <a:cs typeface="Calibri" panose="020F0502020204030204" pitchFamily="34" charset="0"/>
-              </a:rPr>
-              <a:t>lastName</a:t>
+              <a:t>name</a:t>
             </a:r>
             <a:r>
               <a:rPr lang="en-IN" sz="1600" dirty="0">
@@ -26877,36 +26626,6 @@
                 <a:cs typeface="Calibri" panose="020F0502020204030204" pitchFamily="34" charset="0"/>
               </a:rPr>
               <a:t>, email, password, number, address</a:t>
-            </a:r>
-            <a:endParaRPr lang="en-IN" sz="1600" dirty="0">
-              <a:solidFill>
-                <a:schemeClr val="tx1"/>
-              </a:solidFill>
-              <a:effectLst/>
-              <a:latin typeface="Calibri" panose="020F0502020204030204" pitchFamily="34" charset="0"/>
-              <a:cs typeface="Calibri" panose="020F0502020204030204" pitchFamily="34" charset="0"/>
-            </a:endParaRPr>
-          </a:p>
-          <a:p>
-            <a:pPr marL="914400" marR="334010" indent="0">
-              <a:spcBef>
-                <a:spcPts val="850"/>
-              </a:spcBef>
-              <a:spcAft>
-                <a:spcPts val="0"/>
-              </a:spcAft>
-            </a:pPr>
-            <a:r>
-              <a:rPr lang="en-IN" sz="1600" dirty="0">
-                <a:solidFill>
-                  <a:schemeClr val="tx1"/>
-                </a:solidFill>
-                <a:effectLst/>
-                <a:latin typeface="Calibri" panose="020F0502020204030204" pitchFamily="34" charset="0"/>
-                <a:ea typeface="Calibri" panose="020F0502020204030204" pitchFamily="34" charset="0"/>
-                <a:cs typeface="Calibri" panose="020F0502020204030204" pitchFamily="34" charset="0"/>
-              </a:rPr>
-              <a:t> </a:t>
             </a:r>
             <a:endParaRPr lang="en-IN" sz="1600" dirty="0">
               <a:solidFill>
@@ -27031,6 +26750,7 @@
               </a:solidFill>
               <a:effectLst/>
               <a:latin typeface="Calibri" panose="020F0502020204030204" pitchFamily="34" charset="0"/>
+              <a:ea typeface="Calibri" panose="020F0502020204030204" pitchFamily="34" charset="0"/>
               <a:cs typeface="Calibri" panose="020F0502020204030204" pitchFamily="34" charset="0"/>
             </a:endParaRPr>
           </a:p>
@@ -27038,6 +26758,236 @@
             <a:pPr marL="914400" marR="334010" indent="0">
               <a:spcBef>
                 <a:spcPts val="850"/>
+              </a:spcBef>
+              <a:spcAft>
+                <a:spcPts val="0"/>
+              </a:spcAft>
+            </a:pPr>
+            <a:r>
+              <a:rPr lang="en-IN" sz="1600" dirty="0">
+                <a:effectLst/>
+                <a:latin typeface="Calibri" panose="020F0502020204030204" pitchFamily="34" charset="0"/>
+                <a:ea typeface="Calibri" panose="020F0502020204030204" pitchFamily="34" charset="0"/>
+                <a:cs typeface="Calibri" panose="020F0502020204030204" pitchFamily="34" charset="0"/>
+                <a:sym typeface="+mn-ea"/>
+              </a:rPr>
+              <a:t>FD: </a:t>
+            </a:r>
+            <a:r>
+              <a:rPr lang="en-IN" sz="1600" dirty="0" err="1">
+                <a:effectLst/>
+                <a:latin typeface="Calibri" panose="020F0502020204030204" pitchFamily="34" charset="0"/>
+                <a:ea typeface="Calibri" panose="020F0502020204030204" pitchFamily="34" charset="0"/>
+                <a:cs typeface="Calibri" panose="020F0502020204030204" pitchFamily="34" charset="0"/>
+                <a:sym typeface="+mn-ea"/>
+              </a:rPr>
+              <a:t>userId</a:t>
+            </a:r>
+            <a:r>
+              <a:rPr lang="en-IN" sz="1600" dirty="0">
+                <a:effectLst/>
+                <a:latin typeface="Calibri" panose="020F0502020204030204" pitchFamily="34" charset="0"/>
+                <a:ea typeface="Calibri" panose="020F0502020204030204" pitchFamily="34" charset="0"/>
+                <a:cs typeface="Calibri" panose="020F0502020204030204" pitchFamily="34" charset="0"/>
+                <a:sym typeface="+mn-ea"/>
+              </a:rPr>
+              <a:t>-&gt; </a:t>
+            </a:r>
+            <a:r>
+              <a:rPr lang="en-IN" sz="1600" dirty="0">
+                <a:effectLst/>
+                <a:latin typeface="Calibri" panose="020F0502020204030204" pitchFamily="34" charset="0"/>
+                <a:ea typeface="Calibri" panose="020F0502020204030204" pitchFamily="34" charset="0"/>
+                <a:cs typeface="Calibri" panose="020F0502020204030204" pitchFamily="34" charset="0"/>
+                <a:sym typeface="+mn-ea"/>
+              </a:rPr>
+              <a:t>name</a:t>
+            </a:r>
+            <a:r>
+              <a:rPr lang="en-IN" sz="1600" dirty="0">
+                <a:effectLst/>
+                <a:latin typeface="Calibri" panose="020F0502020204030204" pitchFamily="34" charset="0"/>
+                <a:ea typeface="Calibri" panose="020F0502020204030204" pitchFamily="34" charset="0"/>
+                <a:cs typeface="Calibri" panose="020F0502020204030204" pitchFamily="34" charset="0"/>
+                <a:sym typeface="+mn-ea"/>
+              </a:rPr>
+              <a:t>, email, password, number, address</a:t>
+            </a:r>
+            <a:endParaRPr lang="en-IN" sz="1600" dirty="0">
+              <a:solidFill>
+                <a:schemeClr val="tx1"/>
+              </a:solidFill>
+              <a:effectLst/>
+              <a:latin typeface="Calibri" panose="020F0502020204030204" pitchFamily="34" charset="0"/>
+              <a:ea typeface="Calibri" panose="020F0502020204030204" pitchFamily="34" charset="0"/>
+              <a:cs typeface="Calibri" panose="020F0502020204030204" pitchFamily="34" charset="0"/>
+            </a:endParaRPr>
+          </a:p>
+          <a:p>
+            <a:pPr marL="914400" marR="334010" indent="0">
+              <a:spcBef>
+                <a:spcPts val="850"/>
+              </a:spcBef>
+              <a:spcAft>
+                <a:spcPts val="0"/>
+              </a:spcAft>
+            </a:pPr>
+            <a:r>
+              <a:rPr lang="en-IN" sz="1600" dirty="0">
+                <a:effectLst/>
+                <a:latin typeface="Calibri" panose="020F0502020204030204" pitchFamily="34" charset="0"/>
+                <a:ea typeface="Calibri" panose="020F0502020204030204" pitchFamily="34" charset="0"/>
+                <a:cs typeface="Calibri" panose="020F0502020204030204" pitchFamily="34" charset="0"/>
+                <a:sym typeface="+mn-ea"/>
+              </a:rPr>
+              <a:t>FD:  </a:t>
+            </a:r>
+            <a:r>
+              <a:rPr lang="en-IN" sz="1600" dirty="0" err="1">
+                <a:effectLst/>
+                <a:latin typeface="Calibri" panose="020F0502020204030204" pitchFamily="34" charset="0"/>
+                <a:ea typeface="Calibri" panose="020F0502020204030204" pitchFamily="34" charset="0"/>
+                <a:cs typeface="Calibri" panose="020F0502020204030204" pitchFamily="34" charset="0"/>
+                <a:sym typeface="+mn-ea"/>
+              </a:rPr>
+              <a:t>jobId</a:t>
+            </a:r>
+            <a:r>
+              <a:rPr lang="en-IN" sz="1600" dirty="0">
+                <a:effectLst/>
+                <a:latin typeface="Calibri" panose="020F0502020204030204" pitchFamily="34" charset="0"/>
+                <a:ea typeface="Calibri" panose="020F0502020204030204" pitchFamily="34" charset="0"/>
+                <a:cs typeface="Calibri" panose="020F0502020204030204" pitchFamily="34" charset="0"/>
+                <a:sym typeface="+mn-ea"/>
+              </a:rPr>
+              <a:t> -&gt; </a:t>
+            </a:r>
+            <a:r>
+              <a:rPr lang="en-IN" sz="1600" dirty="0" err="1">
+                <a:effectLst/>
+                <a:latin typeface="Calibri" panose="020F0502020204030204" pitchFamily="34" charset="0"/>
+                <a:ea typeface="Calibri" panose="020F0502020204030204" pitchFamily="34" charset="0"/>
+                <a:cs typeface="Calibri" panose="020F0502020204030204" pitchFamily="34" charset="0"/>
+                <a:sym typeface="+mn-ea"/>
+              </a:rPr>
+              <a:t>jobRole,userId</a:t>
+            </a:r>
+            <a:r>
+              <a:rPr lang="en-IN" sz="1600" dirty="0">
+                <a:effectLst/>
+                <a:latin typeface="Calibri" panose="020F0502020204030204" pitchFamily="34" charset="0"/>
+                <a:ea typeface="Calibri" panose="020F0502020204030204" pitchFamily="34" charset="0"/>
+                <a:cs typeface="Calibri" panose="020F0502020204030204" pitchFamily="34" charset="0"/>
+                <a:sym typeface="+mn-ea"/>
+              </a:rPr>
+              <a:t>, </a:t>
+            </a:r>
+            <a:r>
+              <a:rPr lang="en-IN" sz="1600" dirty="0" err="1">
+                <a:effectLst/>
+                <a:latin typeface="Calibri" panose="020F0502020204030204" pitchFamily="34" charset="0"/>
+                <a:ea typeface="Calibri" panose="020F0502020204030204" pitchFamily="34" charset="0"/>
+                <a:cs typeface="Calibri" panose="020F0502020204030204" pitchFamily="34" charset="0"/>
+                <a:sym typeface="+mn-ea"/>
+              </a:rPr>
+              <a:t>jobType</a:t>
+            </a:r>
+            <a:r>
+              <a:rPr lang="en-IN" sz="1600" dirty="0">
+                <a:effectLst/>
+                <a:latin typeface="Calibri" panose="020F0502020204030204" pitchFamily="34" charset="0"/>
+                <a:ea typeface="Calibri" panose="020F0502020204030204" pitchFamily="34" charset="0"/>
+                <a:cs typeface="Calibri" panose="020F0502020204030204" pitchFamily="34" charset="0"/>
+                <a:sym typeface="+mn-ea"/>
+              </a:rPr>
+              <a:t>, vacancy, category, salary, </a:t>
+            </a:r>
+            <a:r>
+              <a:rPr lang="en-IN" sz="1600" dirty="0" err="1">
+                <a:effectLst/>
+                <a:latin typeface="Calibri" panose="020F0502020204030204" pitchFamily="34" charset="0"/>
+                <a:ea typeface="Calibri" panose="020F0502020204030204" pitchFamily="34" charset="0"/>
+                <a:cs typeface="Calibri" panose="020F0502020204030204" pitchFamily="34" charset="0"/>
+                <a:sym typeface="+mn-ea"/>
+              </a:rPr>
+              <a:t>jobTiming</a:t>
+            </a:r>
+            <a:r>
+              <a:rPr lang="en-IN" sz="1600" dirty="0">
+                <a:effectLst/>
+                <a:latin typeface="Calibri" panose="020F0502020204030204" pitchFamily="34" charset="0"/>
+                <a:ea typeface="Calibri" panose="020F0502020204030204" pitchFamily="34" charset="0"/>
+                <a:cs typeface="Calibri" panose="020F0502020204030204" pitchFamily="34" charset="0"/>
+                <a:sym typeface="+mn-ea"/>
+              </a:rPr>
+              <a:t>, description, </a:t>
+            </a:r>
+            <a:r>
+              <a:rPr lang="en-IN" sz="1600" dirty="0" err="1">
+                <a:effectLst/>
+                <a:latin typeface="Calibri" panose="020F0502020204030204" pitchFamily="34" charset="0"/>
+                <a:ea typeface="Calibri" panose="020F0502020204030204" pitchFamily="34" charset="0"/>
+                <a:cs typeface="Calibri" panose="020F0502020204030204" pitchFamily="34" charset="0"/>
+                <a:sym typeface="+mn-ea"/>
+              </a:rPr>
+              <a:t>jobCriteria</a:t>
+            </a:r>
+            <a:r>
+              <a:rPr lang="en-IN" sz="1600" dirty="0">
+                <a:effectLst/>
+                <a:latin typeface="Calibri" panose="020F0502020204030204" pitchFamily="34" charset="0"/>
+                <a:ea typeface="Calibri" panose="020F0502020204030204" pitchFamily="34" charset="0"/>
+                <a:cs typeface="Calibri" panose="020F0502020204030204" pitchFamily="34" charset="0"/>
+                <a:sym typeface="+mn-ea"/>
+              </a:rPr>
+              <a:t>, status, </a:t>
+            </a:r>
+            <a:r>
+              <a:rPr lang="en-IN" sz="1600" dirty="0" err="1">
+                <a:effectLst/>
+                <a:latin typeface="Calibri" panose="020F0502020204030204" pitchFamily="34" charset="0"/>
+                <a:ea typeface="Calibri" panose="020F0502020204030204" pitchFamily="34" charset="0"/>
+                <a:cs typeface="Calibri" panose="020F0502020204030204" pitchFamily="34" charset="0"/>
+                <a:sym typeface="+mn-ea"/>
+              </a:rPr>
+              <a:t>startdate</a:t>
+            </a:r>
+            <a:r>
+              <a:rPr lang="en-IN" sz="1600" dirty="0">
+                <a:effectLst/>
+                <a:latin typeface="Calibri" panose="020F0502020204030204" pitchFamily="34" charset="0"/>
+                <a:ea typeface="Calibri" panose="020F0502020204030204" pitchFamily="34" charset="0"/>
+                <a:cs typeface="Calibri" panose="020F0502020204030204" pitchFamily="34" charset="0"/>
+                <a:sym typeface="+mn-ea"/>
+              </a:rPr>
+              <a:t>, </a:t>
+            </a:r>
+            <a:r>
+              <a:rPr lang="en-IN" sz="1600" dirty="0" err="1">
+                <a:effectLst/>
+                <a:latin typeface="Calibri" panose="020F0502020204030204" pitchFamily="34" charset="0"/>
+                <a:ea typeface="Calibri" panose="020F0502020204030204" pitchFamily="34" charset="0"/>
+                <a:cs typeface="Calibri" panose="020F0502020204030204" pitchFamily="34" charset="0"/>
+                <a:sym typeface="+mn-ea"/>
+              </a:rPr>
+              <a:t>endDate</a:t>
+            </a:r>
+            <a:endParaRPr lang="en-IN" sz="1600" dirty="0">
+              <a:solidFill>
+                <a:schemeClr val="tx1"/>
+              </a:solidFill>
+              <a:effectLst/>
+              <a:latin typeface="Calibri" panose="020F0502020204030204" pitchFamily="34" charset="0"/>
+              <a:cs typeface="Calibri" panose="020F0502020204030204" pitchFamily="34" charset="0"/>
+            </a:endParaRPr>
+          </a:p>
+          <a:p>
+            <a:pPr marL="0" marR="439420" indent="0" algn="l">
+              <a:lnSpc>
+                <a:spcPct val="110000"/>
+              </a:lnSpc>
+              <a:spcBef>
+                <a:spcPts val="890"/>
               </a:spcBef>
               <a:spcAft>
                 <a:spcPts val="0"/>
@@ -27053,79 +27003,7 @@
                 <a:ea typeface="Calibri" panose="020F0502020204030204" pitchFamily="34" charset="0"/>
                 <a:cs typeface="Calibri" panose="020F0502020204030204" pitchFamily="34" charset="0"/>
               </a:rPr>
-              <a:t>FD: </a:t>
-            </a:r>
-            <a:r>
-              <a:rPr lang="en-IN" sz="1600" dirty="0" err="1">
-                <a:solidFill>
-                  <a:schemeClr val="tx1"/>
-                </a:solidFill>
-                <a:effectLst/>
-                <a:latin typeface="Calibri" panose="020F0502020204030204" pitchFamily="34" charset="0"/>
-                <a:ea typeface="Calibri" panose="020F0502020204030204" pitchFamily="34" charset="0"/>
-                <a:cs typeface="Calibri" panose="020F0502020204030204" pitchFamily="34" charset="0"/>
-              </a:rPr>
-              <a:t>userId</a:t>
-            </a:r>
-            <a:r>
-              <a:rPr lang="en-IN" sz="1600" dirty="0">
-                <a:solidFill>
-                  <a:schemeClr val="tx1"/>
-                </a:solidFill>
-                <a:effectLst/>
-                <a:latin typeface="Calibri" panose="020F0502020204030204" pitchFamily="34" charset="0"/>
-                <a:ea typeface="Calibri" panose="020F0502020204030204" pitchFamily="34" charset="0"/>
-                <a:cs typeface="Calibri" panose="020F0502020204030204" pitchFamily="34" charset="0"/>
-              </a:rPr>
-              <a:t>-&gt; </a:t>
-            </a:r>
-            <a:r>
-              <a:rPr lang="en-IN" sz="1600" dirty="0" err="1">
-                <a:solidFill>
-                  <a:schemeClr val="tx1"/>
-                </a:solidFill>
-                <a:effectLst/>
-                <a:latin typeface="Calibri" panose="020F0502020204030204" pitchFamily="34" charset="0"/>
-                <a:ea typeface="Calibri" panose="020F0502020204030204" pitchFamily="34" charset="0"/>
-                <a:cs typeface="Calibri" panose="020F0502020204030204" pitchFamily="34" charset="0"/>
-              </a:rPr>
-              <a:t>firstName</a:t>
-            </a:r>
-            <a:r>
-              <a:rPr lang="en-IN" sz="1600" dirty="0">
-                <a:solidFill>
-                  <a:schemeClr val="tx1"/>
-                </a:solidFill>
-                <a:effectLst/>
-                <a:latin typeface="Calibri" panose="020F0502020204030204" pitchFamily="34" charset="0"/>
-                <a:ea typeface="Calibri" panose="020F0502020204030204" pitchFamily="34" charset="0"/>
-                <a:cs typeface="Calibri" panose="020F0502020204030204" pitchFamily="34" charset="0"/>
-              </a:rPr>
-              <a:t>, </a:t>
-            </a:r>
-            <a:r>
-              <a:rPr lang="en-IN" sz="1600" dirty="0" err="1">
-                <a:solidFill>
-                  <a:schemeClr val="tx1"/>
-                </a:solidFill>
-                <a:effectLst/>
-                <a:latin typeface="Calibri" panose="020F0502020204030204" pitchFamily="34" charset="0"/>
-                <a:ea typeface="Calibri" panose="020F0502020204030204" pitchFamily="34" charset="0"/>
-                <a:cs typeface="Calibri" panose="020F0502020204030204" pitchFamily="34" charset="0"/>
-              </a:rPr>
-              <a:t>lastName</a:t>
-            </a:r>
-            <a:r>
-              <a:rPr lang="en-IN" sz="1600" dirty="0">
-                <a:solidFill>
-                  <a:schemeClr val="tx1"/>
-                </a:solidFill>
-                <a:effectLst/>
-                <a:latin typeface="Calibri" panose="020F0502020204030204" pitchFamily="34" charset="0"/>
-                <a:ea typeface="Calibri" panose="020F0502020204030204" pitchFamily="34" charset="0"/>
-                <a:cs typeface="Calibri" panose="020F0502020204030204" pitchFamily="34" charset="0"/>
-              </a:rPr>
-              <a:t>, email, password, number, address</a:t>
+              <a:t>tbl_skills { skillId, skillName }</a:t>
             </a:r>
             <a:endParaRPr lang="en-IN" sz="1600" dirty="0">
               <a:solidFill>
@@ -27133,216 +27011,21 @@
               </a:solidFill>
               <a:effectLst/>
               <a:latin typeface="Calibri" panose="020F0502020204030204" pitchFamily="34" charset="0"/>
+              <a:ea typeface="Calibri" panose="020F0502020204030204" pitchFamily="34" charset="0"/>
               <a:cs typeface="Calibri" panose="020F0502020204030204" pitchFamily="34" charset="0"/>
             </a:endParaRPr>
           </a:p>
           <a:p>
-            <a:pPr marL="0" marR="0" algn="l">
+            <a:pPr marL="0" marR="439420" indent="0" algn="l">
+              <a:lnSpc>
+                <a:spcPct val="110000"/>
+              </a:lnSpc>
               <a:spcBef>
-                <a:spcPts val="840"/>
+                <a:spcPts val="890"/>
               </a:spcBef>
               <a:spcAft>
                 <a:spcPts val="0"/>
               </a:spcAft>
-            </a:pPr>
-            <a:r>
-              <a:rPr lang="en-IN" sz="1600" dirty="0">
-                <a:solidFill>
-                  <a:schemeClr val="tx1"/>
-                </a:solidFill>
-                <a:effectLst/>
-                <a:latin typeface="Calibri" panose="020F0502020204030204" pitchFamily="34" charset="0"/>
-                <a:ea typeface="Calibri" panose="020F0502020204030204" pitchFamily="34" charset="0"/>
-                <a:cs typeface="Calibri" panose="020F0502020204030204" pitchFamily="34" charset="0"/>
-              </a:rPr>
-              <a:t>		FD:  </a:t>
-            </a:r>
-            <a:r>
-              <a:rPr lang="en-IN" sz="1600" dirty="0" err="1">
-                <a:solidFill>
-                  <a:schemeClr val="tx1"/>
-                </a:solidFill>
-                <a:effectLst/>
-                <a:latin typeface="Calibri" panose="020F0502020204030204" pitchFamily="34" charset="0"/>
-                <a:ea typeface="Calibri" panose="020F0502020204030204" pitchFamily="34" charset="0"/>
-                <a:cs typeface="Calibri" panose="020F0502020204030204" pitchFamily="34" charset="0"/>
-              </a:rPr>
-              <a:t>jobId</a:t>
-            </a:r>
-            <a:r>
-              <a:rPr lang="en-IN" sz="1600" dirty="0">
-                <a:solidFill>
-                  <a:schemeClr val="tx1"/>
-                </a:solidFill>
-                <a:effectLst/>
-                <a:latin typeface="Calibri" panose="020F0502020204030204" pitchFamily="34" charset="0"/>
-                <a:ea typeface="Calibri" panose="020F0502020204030204" pitchFamily="34" charset="0"/>
-                <a:cs typeface="Calibri" panose="020F0502020204030204" pitchFamily="34" charset="0"/>
-              </a:rPr>
-              <a:t> -&gt; </a:t>
-            </a:r>
-            <a:r>
-              <a:rPr lang="en-IN" sz="1600" dirty="0" err="1">
-                <a:solidFill>
-                  <a:schemeClr val="tx1"/>
-                </a:solidFill>
-                <a:effectLst/>
-                <a:latin typeface="Calibri" panose="020F0502020204030204" pitchFamily="34" charset="0"/>
-                <a:ea typeface="Calibri" panose="020F0502020204030204" pitchFamily="34" charset="0"/>
-                <a:cs typeface="Calibri" panose="020F0502020204030204" pitchFamily="34" charset="0"/>
-              </a:rPr>
-              <a:t>jobRole,userId</a:t>
-            </a:r>
-            <a:r>
-              <a:rPr lang="en-IN" sz="1600" dirty="0">
-                <a:solidFill>
-                  <a:schemeClr val="tx1"/>
-                </a:solidFill>
-                <a:effectLst/>
-                <a:latin typeface="Calibri" panose="020F0502020204030204" pitchFamily="34" charset="0"/>
-                <a:ea typeface="Calibri" panose="020F0502020204030204" pitchFamily="34" charset="0"/>
-                <a:cs typeface="Calibri" panose="020F0502020204030204" pitchFamily="34" charset="0"/>
-              </a:rPr>
-              <a:t>, </a:t>
-            </a:r>
-            <a:r>
-              <a:rPr lang="en-IN" sz="1600" dirty="0" err="1">
-                <a:solidFill>
-                  <a:schemeClr val="tx1"/>
-                </a:solidFill>
-                <a:effectLst/>
-                <a:latin typeface="Calibri" panose="020F0502020204030204" pitchFamily="34" charset="0"/>
-                <a:ea typeface="Calibri" panose="020F0502020204030204" pitchFamily="34" charset="0"/>
-                <a:cs typeface="Calibri" panose="020F0502020204030204" pitchFamily="34" charset="0"/>
-              </a:rPr>
-              <a:t>jobType</a:t>
-            </a:r>
-            <a:r>
-              <a:rPr lang="en-IN" sz="1600" dirty="0">
-                <a:solidFill>
-                  <a:schemeClr val="tx1"/>
-                </a:solidFill>
-                <a:effectLst/>
-                <a:latin typeface="Calibri" panose="020F0502020204030204" pitchFamily="34" charset="0"/>
-                <a:ea typeface="Calibri" panose="020F0502020204030204" pitchFamily="34" charset="0"/>
-                <a:cs typeface="Calibri" panose="020F0502020204030204" pitchFamily="34" charset="0"/>
-              </a:rPr>
-              <a:t>, vacancy, category, salary, </a:t>
-            </a:r>
-            <a:r>
-              <a:rPr lang="en-IN" sz="1600" dirty="0" err="1">
-                <a:solidFill>
-                  <a:schemeClr val="tx1"/>
-                </a:solidFill>
-                <a:effectLst/>
-                <a:latin typeface="Calibri" panose="020F0502020204030204" pitchFamily="34" charset="0"/>
-                <a:ea typeface="Calibri" panose="020F0502020204030204" pitchFamily="34" charset="0"/>
-                <a:cs typeface="Calibri" panose="020F0502020204030204" pitchFamily="34" charset="0"/>
-              </a:rPr>
-              <a:t>jobTiming</a:t>
-            </a:r>
-            <a:r>
-              <a:rPr lang="en-IN" sz="1600" dirty="0">
-                <a:solidFill>
-                  <a:schemeClr val="tx1"/>
-                </a:solidFill>
-                <a:effectLst/>
-                <a:latin typeface="Calibri" panose="020F0502020204030204" pitchFamily="34" charset="0"/>
-                <a:ea typeface="Calibri" panose="020F0502020204030204" pitchFamily="34" charset="0"/>
-                <a:cs typeface="Calibri" panose="020F0502020204030204" pitchFamily="34" charset="0"/>
-              </a:rPr>
-              <a:t>, description, </a:t>
-            </a:r>
-            <a:r>
-              <a:rPr lang="en-IN" sz="1600" dirty="0" err="1">
-                <a:solidFill>
-                  <a:schemeClr val="tx1"/>
-                </a:solidFill>
-                <a:effectLst/>
-                <a:latin typeface="Calibri" panose="020F0502020204030204" pitchFamily="34" charset="0"/>
-                <a:ea typeface="Calibri" panose="020F0502020204030204" pitchFamily="34" charset="0"/>
-                <a:cs typeface="Calibri" panose="020F0502020204030204" pitchFamily="34" charset="0"/>
-              </a:rPr>
-              <a:t>jobCriteria</a:t>
-            </a:r>
-            <a:r>
-              <a:rPr lang="en-IN" sz="1600" dirty="0">
-                <a:solidFill>
-                  <a:schemeClr val="tx1"/>
-                </a:solidFill>
-                <a:effectLst/>
-                <a:latin typeface="Calibri" panose="020F0502020204030204" pitchFamily="34" charset="0"/>
-                <a:ea typeface="Calibri" panose="020F0502020204030204" pitchFamily="34" charset="0"/>
-                <a:cs typeface="Calibri" panose="020F0502020204030204" pitchFamily="34" charset="0"/>
-              </a:rPr>
-              <a:t>, status, </a:t>
-            </a:r>
-            <a:r>
-              <a:rPr lang="en-IN" sz="1600" dirty="0" err="1">
-                <a:solidFill>
-                  <a:schemeClr val="tx1"/>
-                </a:solidFill>
-                <a:effectLst/>
-                <a:latin typeface="Calibri" panose="020F0502020204030204" pitchFamily="34" charset="0"/>
-                <a:ea typeface="Calibri" panose="020F0502020204030204" pitchFamily="34" charset="0"/>
-                <a:cs typeface="Calibri" panose="020F0502020204030204" pitchFamily="34" charset="0"/>
-              </a:rPr>
-              <a:t>startdate</a:t>
-            </a:r>
-            <a:r>
-              <a:rPr lang="en-IN" sz="1600" dirty="0">
-                <a:solidFill>
-                  <a:schemeClr val="tx1"/>
-                </a:solidFill>
-                <a:effectLst/>
-                <a:latin typeface="Calibri" panose="020F0502020204030204" pitchFamily="34" charset="0"/>
-                <a:ea typeface="Calibri" panose="020F0502020204030204" pitchFamily="34" charset="0"/>
-                <a:cs typeface="Calibri" panose="020F0502020204030204" pitchFamily="34" charset="0"/>
-              </a:rPr>
-              <a:t>, </a:t>
-            </a:r>
-            <a:r>
-              <a:rPr lang="en-IN" sz="1600" dirty="0" err="1">
-                <a:solidFill>
-                  <a:schemeClr val="tx1"/>
-                </a:solidFill>
-                <a:effectLst/>
-                <a:latin typeface="Calibri" panose="020F0502020204030204" pitchFamily="34" charset="0"/>
-                <a:ea typeface="Calibri" panose="020F0502020204030204" pitchFamily="34" charset="0"/>
-                <a:cs typeface="Calibri" panose="020F0502020204030204" pitchFamily="34" charset="0"/>
-              </a:rPr>
-              <a:t>endDate</a:t>
-            </a:r>
-            <a:r>
-              <a:rPr lang="en-IN" sz="1600" dirty="0">
-                <a:solidFill>
-                  <a:schemeClr val="tx1"/>
-                </a:solidFill>
-                <a:effectLst/>
-                <a:latin typeface="Calibri" panose="020F0502020204030204" pitchFamily="34" charset="0"/>
-                <a:ea typeface="Calibri" panose="020F0502020204030204" pitchFamily="34" charset="0"/>
-                <a:cs typeface="Calibri" panose="020F0502020204030204" pitchFamily="34" charset="0"/>
-              </a:rPr>
-              <a:t>  </a:t>
-            </a:r>
-            <a:endParaRPr lang="en-IN" sz="1600" dirty="0">
-              <a:solidFill>
-                <a:schemeClr val="tx1"/>
-              </a:solidFill>
-              <a:effectLst/>
-              <a:latin typeface="Calibri" panose="020F0502020204030204" pitchFamily="34" charset="0"/>
-              <a:cs typeface="Calibri" panose="020F0502020204030204" pitchFamily="34" charset="0"/>
-            </a:endParaRPr>
-          </a:p>
-          <a:p>
-            <a:pPr marL="0" marR="334010" indent="0">
-              <a:spcBef>
-                <a:spcPts val="850"/>
-              </a:spcBef>
-              <a:spcAft>
-                <a:spcPts val="0"/>
-              </a:spcAft>
-              <a:buNone/>
             </a:pPr>
             <a:endParaRPr lang="en-IN" sz="1600" dirty="0">
               <a:solidFill>
@@ -27354,7 +27037,15 @@
             </a:endParaRPr>
           </a:p>
           <a:p>
-            <a:endParaRPr lang="en-IN" sz="1600" dirty="0">
+            <a:pPr marL="914400" marR="334010" indent="0">
+              <a:spcBef>
+                <a:spcPts val="850"/>
+              </a:spcBef>
+              <a:spcAft>
+                <a:spcPts val="0"/>
+              </a:spcAft>
+            </a:pPr>
+            <a:endParaRPr lang="en-IN" sz="1000" dirty="0">
               <a:solidFill>
                 <a:schemeClr val="tx1"/>
               </a:solidFill>
